--- a/free-apps/src/main/resources/ppt/6min_5.pptx
+++ b/free-apps/src/main/resources/ppt/6min_5.pptx
@@ -209,7 +209,7 @@
           <a:p>
             <a:fld id="{5DD39653-E821-4860-8652-AD2BC2D875EA}" type="datetimeFigureOut">
               <a:rPr lang="zh-CN" altLang="en-US" smtClean="0"/>
-              <a:t>2023/10/31</a:t>
+              <a:t>2023/11/24</a:t>
             </a:fld>
             <a:endParaRPr lang="zh-CN" altLang="en-US"/>
           </a:p>
@@ -2435,7 +2435,7 @@
           <a:p>
             <a:fld id="{DA785409-1177-48B8-8C4B-7D84F03106C0}" type="datetimeFigureOut">
               <a:rPr lang="zh-CN" altLang="en-US" smtClean="0"/>
-              <a:t>2023/10/31</a:t>
+              <a:t>2023/11/24</a:t>
             </a:fld>
             <a:endParaRPr lang="zh-CN" altLang="en-US"/>
           </a:p>
@@ -2633,7 +2633,7 @@
           <a:p>
             <a:fld id="{DA785409-1177-48B8-8C4B-7D84F03106C0}" type="datetimeFigureOut">
               <a:rPr lang="zh-CN" altLang="en-US" smtClean="0"/>
-              <a:t>2023/10/31</a:t>
+              <a:t>2023/11/24</a:t>
             </a:fld>
             <a:endParaRPr lang="zh-CN" altLang="en-US"/>
           </a:p>
@@ -2841,7 +2841,7 @@
           <a:p>
             <a:fld id="{DA785409-1177-48B8-8C4B-7D84F03106C0}" type="datetimeFigureOut">
               <a:rPr lang="zh-CN" altLang="en-US" smtClean="0"/>
-              <a:t>2023/10/31</a:t>
+              <a:t>2023/11/24</a:t>
             </a:fld>
             <a:endParaRPr lang="zh-CN" altLang="en-US"/>
           </a:p>
@@ -3039,7 +3039,7 @@
           <a:p>
             <a:fld id="{DA785409-1177-48B8-8C4B-7D84F03106C0}" type="datetimeFigureOut">
               <a:rPr lang="zh-CN" altLang="en-US" smtClean="0"/>
-              <a:t>2023/10/31</a:t>
+              <a:t>2023/11/24</a:t>
             </a:fld>
             <a:endParaRPr lang="zh-CN" altLang="en-US"/>
           </a:p>
@@ -3314,7 +3314,7 @@
           <a:p>
             <a:fld id="{DA785409-1177-48B8-8C4B-7D84F03106C0}" type="datetimeFigureOut">
               <a:rPr lang="zh-CN" altLang="en-US" smtClean="0"/>
-              <a:t>2023/10/31</a:t>
+              <a:t>2023/11/24</a:t>
             </a:fld>
             <a:endParaRPr lang="zh-CN" altLang="en-US"/>
           </a:p>
@@ -3579,7 +3579,7 @@
           <a:p>
             <a:fld id="{DA785409-1177-48B8-8C4B-7D84F03106C0}" type="datetimeFigureOut">
               <a:rPr lang="zh-CN" altLang="en-US" smtClean="0"/>
-              <a:t>2023/10/31</a:t>
+              <a:t>2023/11/24</a:t>
             </a:fld>
             <a:endParaRPr lang="zh-CN" altLang="en-US"/>
           </a:p>
@@ -3991,7 +3991,7 @@
           <a:p>
             <a:fld id="{DA785409-1177-48B8-8C4B-7D84F03106C0}" type="datetimeFigureOut">
               <a:rPr lang="zh-CN" altLang="en-US" smtClean="0"/>
-              <a:t>2023/10/31</a:t>
+              <a:t>2023/11/24</a:t>
             </a:fld>
             <a:endParaRPr lang="zh-CN" altLang="en-US"/>
           </a:p>
@@ -4132,7 +4132,7 @@
           <a:p>
             <a:fld id="{DA785409-1177-48B8-8C4B-7D84F03106C0}" type="datetimeFigureOut">
               <a:rPr lang="zh-CN" altLang="en-US" smtClean="0"/>
-              <a:t>2023/10/31</a:t>
+              <a:t>2023/11/24</a:t>
             </a:fld>
             <a:endParaRPr lang="zh-CN" altLang="en-US"/>
           </a:p>
@@ -4245,7 +4245,7 @@
           <a:p>
             <a:fld id="{DA785409-1177-48B8-8C4B-7D84F03106C0}" type="datetimeFigureOut">
               <a:rPr lang="zh-CN" altLang="en-US" smtClean="0"/>
-              <a:t>2023/10/31</a:t>
+              <a:t>2023/11/24</a:t>
             </a:fld>
             <a:endParaRPr lang="zh-CN" altLang="en-US"/>
           </a:p>
@@ -4556,7 +4556,7 @@
           <a:p>
             <a:fld id="{DA785409-1177-48B8-8C4B-7D84F03106C0}" type="datetimeFigureOut">
               <a:rPr lang="zh-CN" altLang="en-US" smtClean="0"/>
-              <a:t>2023/10/31</a:t>
+              <a:t>2023/11/24</a:t>
             </a:fld>
             <a:endParaRPr lang="zh-CN" altLang="en-US"/>
           </a:p>
@@ -4844,7 +4844,7 @@
           <a:p>
             <a:fld id="{DA785409-1177-48B8-8C4B-7D84F03106C0}" type="datetimeFigureOut">
               <a:rPr lang="zh-CN" altLang="en-US" smtClean="0"/>
-              <a:t>2023/10/31</a:t>
+              <a:t>2023/11/24</a:t>
             </a:fld>
             <a:endParaRPr lang="zh-CN" altLang="en-US"/>
           </a:p>
@@ -5085,7 +5085,7 @@
           <a:p>
             <a:fld id="{DA785409-1177-48B8-8C4B-7D84F03106C0}" type="datetimeFigureOut">
               <a:rPr lang="zh-CN" altLang="en-US" smtClean="0"/>
-              <a:t>2023/10/31</a:t>
+              <a:t>2023/11/24</a:t>
             </a:fld>
             <a:endParaRPr lang="zh-CN" altLang="en-US"/>
           </a:p>
@@ -5681,8 +5681,8 @@
         </p:nvGrpSpPr>
         <p:grpSpPr>
           <a:xfrm>
-            <a:off x="1767957" y="2405823"/>
-            <a:ext cx="8656085" cy="3319212"/>
+            <a:off x="1656482" y="2405823"/>
+            <a:ext cx="8879035" cy="3319212"/>
             <a:chOff x="1452700" y="1867028"/>
             <a:chExt cx="9875813" cy="3319212"/>
           </a:xfrm>
@@ -6022,8 +6022,8 @@
         </p:nvSpPr>
         <p:spPr>
           <a:xfrm>
-            <a:off x="7505543" y="3468976"/>
-            <a:ext cx="2593226" cy="1200329"/>
+            <a:off x="7238313" y="3223341"/>
+            <a:ext cx="3297204" cy="1569660"/>
           </a:xfrm>
           <a:prstGeom prst="rect">
             <a:avLst/>
@@ -6037,13 +6037,13 @@
           <a:lstStyle/>
           <a:p>
             <a:r>
-              <a:rPr lang="en-US" altLang="zh-CN" sz="3600" b="1" i="0" dirty="0">
+              <a:rPr lang="en-US" altLang="zh-CN" sz="4800" b="1" i="0" dirty="0">
                 <a:effectLst/>
                 <a:latin typeface="Droid Sans Fallback"/>
               </a:rPr>
               <a:t>#{ #title.name }</a:t>
             </a:r>
-            <a:endParaRPr lang="zh-CN" altLang="en-US" sz="3600" b="1" dirty="0"/>
+            <a:endParaRPr lang="zh-CN" altLang="en-US" sz="4800" b="1" dirty="0"/>
           </a:p>
         </p:txBody>
       </p:sp>
@@ -9883,8 +9883,8 @@
         </p:nvSpPr>
         <p:spPr>
           <a:xfrm>
-            <a:off x="831414" y="3367129"/>
-            <a:ext cx="2604976" cy="369332"/>
+            <a:off x="831413" y="3367129"/>
+            <a:ext cx="3094153" cy="369332"/>
           </a:xfrm>
           <a:prstGeom prst="rect">
             <a:avLst/>
@@ -11395,7 +11395,7 @@
         <p:spPr>
           <a:xfrm>
             <a:off x="831414" y="3367129"/>
-            <a:ext cx="2604976" cy="369332"/>
+            <a:ext cx="3094154" cy="369332"/>
           </a:xfrm>
           <a:prstGeom prst="rect">
             <a:avLst/>
@@ -12906,7 +12906,7 @@
         <p:spPr>
           <a:xfrm>
             <a:off x="831414" y="3367129"/>
-            <a:ext cx="2604976" cy="369332"/>
+            <a:ext cx="3094154" cy="369332"/>
           </a:xfrm>
           <a:prstGeom prst="rect">
             <a:avLst/>
@@ -14417,7 +14417,7 @@
         <p:spPr>
           <a:xfrm>
             <a:off x="831414" y="3367129"/>
-            <a:ext cx="2604976" cy="369332"/>
+            <a:ext cx="3176201" cy="369332"/>
           </a:xfrm>
           <a:prstGeom prst="rect">
             <a:avLst/>
@@ -15927,8 +15927,8 @@
         </p:nvSpPr>
         <p:spPr>
           <a:xfrm>
-            <a:off x="831414" y="3367129"/>
-            <a:ext cx="2604976" cy="369332"/>
+            <a:off x="831413" y="3367129"/>
+            <a:ext cx="3094151" cy="369332"/>
           </a:xfrm>
           <a:prstGeom prst="rect">
             <a:avLst/>
@@ -17439,7 +17439,7 @@
         <p:spPr>
           <a:xfrm>
             <a:off x="831414" y="3367129"/>
-            <a:ext cx="2604976" cy="369332"/>
+            <a:ext cx="3094154" cy="369332"/>
           </a:xfrm>
           <a:prstGeom prst="rect">
             <a:avLst/>
